--- a/Overview.pptx
+++ b/Overview.pptx
@@ -20,13 +20,11 @@
     <p:sldId id="271" r:id="rId14"/>
     <p:sldId id="264" r:id="rId15"/>
     <p:sldId id="273" r:id="rId16"/>
-    <p:sldId id="265" r:id="rId17"/>
-    <p:sldId id="274" r:id="rId18"/>
-    <p:sldId id="277" r:id="rId19"/>
-    <p:sldId id="266" r:id="rId20"/>
-    <p:sldId id="275" r:id="rId21"/>
-    <p:sldId id="267" r:id="rId22"/>
-    <p:sldId id="278" r:id="rId23"/>
+    <p:sldId id="277" r:id="rId17"/>
+    <p:sldId id="266" r:id="rId18"/>
+    <p:sldId id="275" r:id="rId19"/>
+    <p:sldId id="267" r:id="rId20"/>
+    <p:sldId id="278" r:id="rId21"/>
   </p:sldIdLst>
   <p:sldSz cx="9144000" cy="6858000" type="screen4x3"/>
   <p:notesSz cx="6858000" cy="9144000"/>
@@ -3924,6 +3922,13 @@
   <p:clrMapOvr>
     <a:masterClrMapping/>
   </p:clrMapOvr>
+  <p:timing>
+    <p:tnLst>
+      <p:par>
+        <p:cTn id="1" dur="indefinite" restart="never" nodeType="tmRoot"/>
+      </p:par>
+    </p:tnLst>
+  </p:timing>
 </p:sld>
 </file>
 
@@ -4493,7 +4498,15 @@
           <a:p>
             <a:r>
               <a:rPr lang="en-GB" dirty="0" smtClean="0"/>
-              <a:t>Reactive Extensions</a:t>
+              <a:t>SWITCH </a:t>
+            </a:r>
+            <a:r>
+              <a:rPr lang="en-GB" dirty="0" err="1" smtClean="0"/>
+              <a:t>VMs</a:t>
+            </a:r>
+            <a:r>
+              <a:rPr lang="en-GB" dirty="0" smtClean="0"/>
+              <a:t> NOW!!!</a:t>
             </a:r>
             <a:endParaRPr lang="en-GB" dirty="0"/>
           </a:p>
@@ -4514,28 +4527,6 @@
           <a:bodyPr/>
           <a:lstStyle/>
           <a:p>
-            <a:r>
-              <a:rPr lang="en-GB" dirty="0" err="1" smtClean="0"/>
-              <a:t>Linq</a:t>
-            </a:r>
-            <a:r>
-              <a:rPr lang="en-GB" dirty="0" smtClean="0"/>
-              <a:t> over events</a:t>
-            </a:r>
-          </a:p>
-          <a:p>
-            <a:r>
-              <a:rPr lang="en-GB" dirty="0" smtClean="0"/>
-              <a:t>Cleaner </a:t>
-            </a:r>
-            <a:r>
-              <a:rPr lang="en-GB" dirty="0" err="1" smtClean="0"/>
-              <a:t>async</a:t>
-            </a:r>
-            <a:r>
-              <a:rPr lang="en-GB" dirty="0" smtClean="0"/>
-              <a:t> code</a:t>
-            </a:r>
             <a:endParaRPr lang="en-GB" dirty="0"/>
           </a:p>
         </p:txBody>
@@ -4582,7 +4573,7 @@
           <a:p>
             <a:r>
               <a:rPr lang="en-GB" dirty="0" smtClean="0"/>
-              <a:t>Reactive Demo</a:t>
+              <a:t>Testing</a:t>
             </a:r>
             <a:endParaRPr lang="en-GB" dirty="0"/>
           </a:p>
@@ -4603,7 +4594,37 @@
           <a:bodyPr/>
           <a:lstStyle/>
           <a:p>
-            <a:endParaRPr lang="en-GB"/>
+            <a:r>
+              <a:rPr lang="en-GB" dirty="0" smtClean="0"/>
+              <a:t>Testing concurrent code, quite frankly, sucks</a:t>
+            </a:r>
+          </a:p>
+          <a:p>
+            <a:r>
+              <a:rPr lang="en-GB" dirty="0" smtClean="0"/>
+              <a:t>Non-determinism everywhere</a:t>
+            </a:r>
+          </a:p>
+          <a:p>
+            <a:pPr lvl="1"/>
+            <a:r>
+              <a:rPr lang="en-GB" dirty="0" smtClean="0"/>
+              <a:t>Very hard to construct and sort of meaningful testing strategy</a:t>
+            </a:r>
+          </a:p>
+          <a:p>
+            <a:pPr lvl="1"/>
+            <a:r>
+              <a:rPr lang="en-GB" dirty="0" smtClean="0"/>
+              <a:t>Best that most manage is just multi-threaded stress testing</a:t>
+            </a:r>
+          </a:p>
+          <a:p>
+            <a:r>
+              <a:rPr lang="en-GB" dirty="0" smtClean="0"/>
+              <a:t>CHESS to the rescue</a:t>
+            </a:r>
+            <a:endParaRPr lang="en-GB" dirty="0"/>
           </a:p>
         </p:txBody>
       </p:sp>
@@ -4649,15 +4670,7 @@
           <a:p>
             <a:r>
               <a:rPr lang="en-GB" dirty="0" smtClean="0"/>
-              <a:t>SWITCH </a:t>
-            </a:r>
-            <a:r>
-              <a:rPr lang="en-GB" dirty="0" err="1" smtClean="0"/>
-              <a:t>VMs</a:t>
-            </a:r>
-            <a:r>
-              <a:rPr lang="en-GB" dirty="0" smtClean="0"/>
-              <a:t> NOW!!!</a:t>
+              <a:t>CHESS Demo</a:t>
             </a:r>
             <a:endParaRPr lang="en-GB" dirty="0"/>
           </a:p>
@@ -4678,7 +4691,7 @@
           <a:bodyPr/>
           <a:lstStyle/>
           <a:p>
-            <a:endParaRPr lang="en-GB" dirty="0"/>
+            <a:endParaRPr lang="en-GB"/>
           </a:p>
         </p:txBody>
       </p:sp>
@@ -4724,7 +4737,7 @@
           <a:p>
             <a:r>
               <a:rPr lang="en-GB" dirty="0" smtClean="0"/>
-              <a:t>Testing</a:t>
+              <a:t>STM</a:t>
             </a:r>
             <a:endParaRPr lang="en-GB" dirty="0"/>
           </a:p>
@@ -4747,33 +4760,72 @@
           <a:p>
             <a:r>
               <a:rPr lang="en-GB" dirty="0" smtClean="0"/>
-              <a:t>Testing concurrent code, quite frankly, sucks</a:t>
-            </a:r>
-          </a:p>
-          <a:p>
-            <a:r>
-              <a:rPr lang="en-GB" dirty="0" smtClean="0"/>
-              <a:t>Non-determinism everywhere</a:t>
+              <a:t>Software Transaction Memory</a:t>
             </a:r>
           </a:p>
           <a:p>
             <a:pPr lvl="1"/>
             <a:r>
               <a:rPr lang="en-GB" dirty="0" smtClean="0"/>
-              <a:t>Very hard to construct and sort of meaningful testing strategy</a:t>
+              <a:t>A promising approach for those times when you have to have shared state</a:t>
             </a:r>
           </a:p>
           <a:p>
             <a:pPr lvl="1"/>
             <a:r>
               <a:rPr lang="en-GB" dirty="0" smtClean="0"/>
-              <a:t>Best that most manage is just multi-threaded stress testing</a:t>
-            </a:r>
-          </a:p>
-          <a:p>
-            <a:r>
-              <a:rPr lang="en-GB" dirty="0" smtClean="0"/>
-              <a:t>CHESS to the rescue</a:t>
+              <a:t>Microsoft Research project got as far as a beta</a:t>
+            </a:r>
+          </a:p>
+          <a:p>
+            <a:pPr lvl="1"/>
+            <a:r>
+              <a:rPr lang="en-GB" dirty="0" smtClean="0"/>
+              <a:t>There was to be an in-depth talk later today</a:t>
+            </a:r>
+          </a:p>
+          <a:p>
+            <a:pPr lvl="1"/>
+            <a:r>
+              <a:rPr lang="en-GB" dirty="0" smtClean="0"/>
+              <a:t>But the project got canned a few weeks back </a:t>
+            </a:r>
+            <a:r>
+              <a:rPr lang="en-US" dirty="0" err="1" smtClean="0">
+                <a:sym typeface="Wingdings"/>
+              </a:rPr>
+              <a:t></a:t>
+            </a:r>
+            <a:endParaRPr lang="en-US" dirty="0" smtClean="0">
+              <a:sym typeface="Wingdings"/>
+            </a:endParaRPr>
+          </a:p>
+          <a:p>
+            <a:r>
+              <a:rPr lang="en-US" dirty="0" smtClean="0">
+                <a:sym typeface="Wingdings"/>
+              </a:rPr>
+              <a:t>Something similar might be in .Net one day</a:t>
+            </a:r>
+          </a:p>
+          <a:p>
+            <a:r>
+              <a:rPr lang="en-US" dirty="0" smtClean="0">
+                <a:sym typeface="Wingdings"/>
+              </a:rPr>
+              <a:t>Other languages (e.g., </a:t>
+            </a:r>
+            <a:r>
+              <a:rPr lang="en-US" dirty="0" err="1" smtClean="0">
+                <a:sym typeface="Wingdings"/>
+              </a:rPr>
+              <a:t>Clojure</a:t>
+            </a:r>
+            <a:r>
+              <a:rPr lang="en-US" dirty="0" smtClean="0">
+                <a:sym typeface="Wingdings"/>
+              </a:rPr>
+              <a:t>) have it today</a:t>
             </a:r>
             <a:endParaRPr lang="en-GB" dirty="0"/>
           </a:p>
@@ -4958,7 +5010,7 @@
               <a:t>NDC</a:t>
             </a:r>
             <a:r>
-              <a:rPr lang="en-US" sz="3200" smtClean="0">
+              <a:rPr lang="en-US" sz="3200" dirty="0" smtClean="0">
                 <a:solidFill>
                   <a:schemeClr val="bg1"/>
                 </a:solidFill>
@@ -4966,7 +5018,7 @@
               <a:t>-</a:t>
             </a:r>
             <a:r>
-              <a:rPr lang="en-US" sz="3200" smtClean="0">
+              <a:rPr lang="en-US" sz="3200" dirty="0" smtClean="0">
                 <a:solidFill>
                   <a:schemeClr val="bg1"/>
                 </a:solidFill>
@@ -5030,209 +5082,6 @@
           <a:p>
             <a:r>
               <a:rPr lang="en-GB" dirty="0" smtClean="0"/>
-              <a:t>CHESS Demo</a:t>
-            </a:r>
-            <a:endParaRPr lang="en-GB" dirty="0"/>
-          </a:p>
-        </p:txBody>
-      </p:sp>
-      <p:sp>
-        <p:nvSpPr>
-          <p:cNvPr id="3" name="Content Placeholder 2"/>
-          <p:cNvSpPr>
-            <a:spLocks noGrp="1"/>
-          </p:cNvSpPr>
-          <p:nvPr>
-            <p:ph idx="1"/>
-          </p:nvPr>
-        </p:nvSpPr>
-        <p:spPr/>
-        <p:txBody>
-          <a:bodyPr/>
-          <a:lstStyle/>
-          <a:p>
-            <a:endParaRPr lang="en-GB"/>
-          </a:p>
-        </p:txBody>
-      </p:sp>
-    </p:spTree>
-  </p:cSld>
-  <p:clrMapOvr>
-    <a:masterClrMapping/>
-  </p:clrMapOvr>
-</p:sld>
-</file>
-
-<file path=ppt/slides/slide21.xml><?xml version="1.0" encoding="utf-8"?>
-<p:sld xmlns:a="http://schemas.openxmlformats.org/drawingml/2006/main" xmlns:r="http://schemas.openxmlformats.org/officeDocument/2006/relationships" xmlns:mc="http://schemas.openxmlformats.org/markup-compatibility/2006" xmlns:mv="urn:schemas-microsoft-com:mac:vml" xmlns:p="http://schemas.openxmlformats.org/presentationml/2006/main" mc:Ignorable="mv" mc:PreserveAttributes="mv:*">
-  <p:cSld>
-    <p:spTree>
-      <p:nvGrpSpPr>
-        <p:cNvPr id="1" name=""/>
-        <p:cNvGrpSpPr/>
-        <p:nvPr/>
-      </p:nvGrpSpPr>
-      <p:grpSpPr>
-        <a:xfrm>
-          <a:off x="0" y="0"/>
-          <a:ext cx="0" cy="0"/>
-          <a:chOff x="0" y="0"/>
-          <a:chExt cx="0" cy="0"/>
-        </a:xfrm>
-      </p:grpSpPr>
-      <p:sp>
-        <p:nvSpPr>
-          <p:cNvPr id="2" name="Title 1"/>
-          <p:cNvSpPr>
-            <a:spLocks noGrp="1"/>
-          </p:cNvSpPr>
-          <p:nvPr>
-            <p:ph type="title"/>
-          </p:nvPr>
-        </p:nvSpPr>
-        <p:spPr/>
-        <p:txBody>
-          <a:bodyPr/>
-          <a:lstStyle/>
-          <a:p>
-            <a:r>
-              <a:rPr lang="en-GB" dirty="0" smtClean="0"/>
-              <a:t>STM</a:t>
-            </a:r>
-            <a:endParaRPr lang="en-GB" dirty="0"/>
-          </a:p>
-        </p:txBody>
-      </p:sp>
-      <p:sp>
-        <p:nvSpPr>
-          <p:cNvPr id="3" name="Content Placeholder 2"/>
-          <p:cNvSpPr>
-            <a:spLocks noGrp="1"/>
-          </p:cNvSpPr>
-          <p:nvPr>
-            <p:ph idx="1"/>
-          </p:nvPr>
-        </p:nvSpPr>
-        <p:spPr/>
-        <p:txBody>
-          <a:bodyPr/>
-          <a:lstStyle/>
-          <a:p>
-            <a:r>
-              <a:rPr lang="en-GB" dirty="0" smtClean="0"/>
-              <a:t>Software Transaction Memory</a:t>
-            </a:r>
-          </a:p>
-          <a:p>
-            <a:pPr lvl="1"/>
-            <a:r>
-              <a:rPr lang="en-GB" dirty="0" smtClean="0"/>
-              <a:t>A promising approach for those times when you have to have shared state</a:t>
-            </a:r>
-          </a:p>
-          <a:p>
-            <a:pPr lvl="1"/>
-            <a:r>
-              <a:rPr lang="en-GB" dirty="0" smtClean="0"/>
-              <a:t>Microsoft Research project got as far as a beta</a:t>
-            </a:r>
-          </a:p>
-          <a:p>
-            <a:pPr lvl="1"/>
-            <a:r>
-              <a:rPr lang="en-GB" dirty="0" smtClean="0"/>
-              <a:t>There was to be an in-depth talk later today</a:t>
-            </a:r>
-          </a:p>
-          <a:p>
-            <a:pPr lvl="1"/>
-            <a:r>
-              <a:rPr lang="en-GB" dirty="0" smtClean="0"/>
-              <a:t>But the project got canned a few weeks back </a:t>
-            </a:r>
-            <a:r>
-              <a:rPr lang="en-US" dirty="0" err="1" smtClean="0">
-                <a:sym typeface="Wingdings"/>
-              </a:rPr>
-              <a:t></a:t>
-            </a:r>
-            <a:endParaRPr lang="en-US" dirty="0" smtClean="0">
-              <a:sym typeface="Wingdings"/>
-            </a:endParaRPr>
-          </a:p>
-          <a:p>
-            <a:r>
-              <a:rPr lang="en-US" dirty="0" smtClean="0">
-                <a:sym typeface="Wingdings"/>
-              </a:rPr>
-              <a:t>Something similar might be in .Net one day</a:t>
-            </a:r>
-          </a:p>
-          <a:p>
-            <a:r>
-              <a:rPr lang="en-US" dirty="0" smtClean="0">
-                <a:sym typeface="Wingdings"/>
-              </a:rPr>
-              <a:t>Other languages (e.g., </a:t>
-            </a:r>
-            <a:r>
-              <a:rPr lang="en-US" dirty="0" err="1" smtClean="0">
-                <a:sym typeface="Wingdings"/>
-              </a:rPr>
-              <a:t>Clojure</a:t>
-            </a:r>
-            <a:r>
-              <a:rPr lang="en-US" dirty="0" smtClean="0">
-                <a:sym typeface="Wingdings"/>
-              </a:rPr>
-              <a:t>) have it today</a:t>
-            </a:r>
-            <a:endParaRPr lang="en-GB" dirty="0"/>
-          </a:p>
-        </p:txBody>
-      </p:sp>
-    </p:spTree>
-  </p:cSld>
-  <p:clrMapOvr>
-    <a:masterClrMapping/>
-  </p:clrMapOvr>
-</p:sld>
-</file>
-
-<file path=ppt/slides/slide22.xml><?xml version="1.0" encoding="utf-8"?>
-<p:sld xmlns:a="http://schemas.openxmlformats.org/drawingml/2006/main" xmlns:r="http://schemas.openxmlformats.org/officeDocument/2006/relationships" xmlns:mc="http://schemas.openxmlformats.org/markup-compatibility/2006" xmlns:mv="urn:schemas-microsoft-com:mac:vml" xmlns:p="http://schemas.openxmlformats.org/presentationml/2006/main" mc:Ignorable="mv" mc:PreserveAttributes="mv:*">
-  <p:cSld>
-    <p:spTree>
-      <p:nvGrpSpPr>
-        <p:cNvPr id="1" name=""/>
-        <p:cNvGrpSpPr/>
-        <p:nvPr/>
-      </p:nvGrpSpPr>
-      <p:grpSpPr>
-        <a:xfrm>
-          <a:off x="0" y="0"/>
-          <a:ext cx="0" cy="0"/>
-          <a:chOff x="0" y="0"/>
-          <a:chExt cx="0" cy="0"/>
-        </a:xfrm>
-      </p:grpSpPr>
-      <p:sp>
-        <p:nvSpPr>
-          <p:cNvPr id="2" name="Title 1"/>
-          <p:cNvSpPr>
-            <a:spLocks noGrp="1"/>
-          </p:cNvSpPr>
-          <p:nvPr>
-            <p:ph type="title"/>
-          </p:nvPr>
-        </p:nvSpPr>
-        <p:spPr/>
-        <p:txBody>
-          <a:bodyPr/>
-          <a:lstStyle/>
-          <a:p>
-            <a:r>
-              <a:rPr lang="en-GB" dirty="0" smtClean="0"/>
               <a:t>Summary</a:t>
             </a:r>
             <a:endParaRPr lang="en-GB" dirty="0"/>
@@ -5400,9 +5249,8 @@
           <a:p>
             <a:r>
               <a:rPr lang="en-GB" dirty="0" smtClean="0"/>
-              <a:t>Reactive Extensions</a:t>
-            </a:r>
-            <a:endParaRPr lang="en-GB" dirty="0"/>
+              <a:t>CHESS</a:t>
+            </a:r>
           </a:p>
         </p:txBody>
       </p:sp>
@@ -5411,6 +5259,13 @@
   <p:clrMapOvr>
     <a:masterClrMapping/>
   </p:clrMapOvr>
+  <p:timing>
+    <p:tnLst>
+      <p:par>
+        <p:cTn id="1" dur="indefinite" restart="never" nodeType="tmRoot"/>
+      </p:par>
+    </p:tnLst>
+  </p:timing>
 </p:sld>
 </file>
 
@@ -5509,6 +5364,13 @@
   <p:clrMapOvr>
     <a:masterClrMapping/>
   </p:clrMapOvr>
+  <p:timing>
+    <p:tnLst>
+      <p:par>
+        <p:cTn id="1" dur="indefinite" restart="never" nodeType="tmRoot"/>
+      </p:par>
+    </p:tnLst>
+  </p:timing>
 </p:sld>
 </file>
 
@@ -5938,7 +5800,14 @@
           <a:p>
             <a:r>
               <a:rPr lang="en-GB" dirty="0" smtClean="0"/>
-              <a:t>Reactive Extensions</a:t>
+              <a:t>CHESS</a:t>
+            </a:r>
+          </a:p>
+          <a:p>
+            <a:pPr lvl="1"/>
+            <a:r>
+              <a:rPr lang="en-GB" dirty="0" smtClean="0"/>
+              <a:t>Actually, this is a test tool not an abstraction</a:t>
             </a:r>
           </a:p>
           <a:p>
